--- a/docs/songs/thanksgiving.pptx
+++ b/docs/songs/thanksgiving.pptx
@@ -5,18 +5,20 @@
     <p:sldMasterId id="2147483648" r:id="rId1"/>
   </p:sldMasterIdLst>
   <p:notesMasterIdLst>
-    <p:notesMasterId r:id="rId11"/>
+    <p:notesMasterId r:id="rId13"/>
   </p:notesMasterIdLst>
   <p:sldIdLst>
     <p:sldId id="545" r:id="rId2"/>
     <p:sldId id="546" r:id="rId3"/>
-    <p:sldId id="547" r:id="rId4"/>
-    <p:sldId id="548" r:id="rId5"/>
-    <p:sldId id="552" r:id="rId6"/>
-    <p:sldId id="549" r:id="rId7"/>
-    <p:sldId id="550" r:id="rId8"/>
-    <p:sldId id="553" r:id="rId9"/>
-    <p:sldId id="551" r:id="rId10"/>
+    <p:sldId id="1373" r:id="rId4"/>
+    <p:sldId id="547" r:id="rId5"/>
+    <p:sldId id="548" r:id="rId6"/>
+    <p:sldId id="1374" r:id="rId7"/>
+    <p:sldId id="552" r:id="rId8"/>
+    <p:sldId id="549" r:id="rId9"/>
+    <p:sldId id="550" r:id="rId10"/>
+    <p:sldId id="553" r:id="rId11"/>
+    <p:sldId id="551" r:id="rId12"/>
   </p:sldIdLst>
   <p:sldSz cx="9144000" cy="6858000" type="screen4x3"/>
   <p:notesSz cx="6858000" cy="9144000"/>
@@ -216,7 +218,7 @@
           <a:p>
             <a:fld id="{C57EAEFC-A9C7-464E-BE3F-33D4DD72E122}" type="datetimeFigureOut">
               <a:rPr lang="en-GB" smtClean="0"/>
-              <a:t>06/01/2025</a:t>
+              <a:t>12/07/2025</a:t>
             </a:fld>
             <a:endParaRPr lang="en-GB"/>
           </a:p>
@@ -666,7 +668,7 @@
             <a:fld id="{26EA1CF3-4A15-4CBF-9A5A-6A56C368BE71}" type="datetimeFigureOut">
               <a:rPr lang="en-GB" smtClean="0"/>
               <a:pPr/>
-              <a:t>06/01/2025</a:t>
+              <a:t>12/07/2025</a:t>
             </a:fld>
             <a:endParaRPr lang="en-GB"/>
           </a:p>
@@ -833,7 +835,7 @@
             <a:fld id="{26EA1CF3-4A15-4CBF-9A5A-6A56C368BE71}" type="datetimeFigureOut">
               <a:rPr lang="en-GB" smtClean="0"/>
               <a:pPr/>
-              <a:t>06/01/2025</a:t>
+              <a:t>12/07/2025</a:t>
             </a:fld>
             <a:endParaRPr lang="en-GB"/>
           </a:p>
@@ -1010,7 +1012,7 @@
             <a:fld id="{26EA1CF3-4A15-4CBF-9A5A-6A56C368BE71}" type="datetimeFigureOut">
               <a:rPr lang="en-GB" smtClean="0"/>
               <a:pPr/>
-              <a:t>06/01/2025</a:t>
+              <a:t>12/07/2025</a:t>
             </a:fld>
             <a:endParaRPr lang="en-GB"/>
           </a:p>
@@ -1177,7 +1179,7 @@
             <a:fld id="{26EA1CF3-4A15-4CBF-9A5A-6A56C368BE71}" type="datetimeFigureOut">
               <a:rPr lang="en-GB" smtClean="0"/>
               <a:pPr/>
-              <a:t>06/01/2025</a:t>
+              <a:t>12/07/2025</a:t>
             </a:fld>
             <a:endParaRPr lang="en-GB"/>
           </a:p>
@@ -1420,7 +1422,7 @@
             <a:fld id="{26EA1CF3-4A15-4CBF-9A5A-6A56C368BE71}" type="datetimeFigureOut">
               <a:rPr lang="en-GB" smtClean="0"/>
               <a:pPr/>
-              <a:t>06/01/2025</a:t>
+              <a:t>12/07/2025</a:t>
             </a:fld>
             <a:endParaRPr lang="en-GB"/>
           </a:p>
@@ -1705,7 +1707,7 @@
             <a:fld id="{26EA1CF3-4A15-4CBF-9A5A-6A56C368BE71}" type="datetimeFigureOut">
               <a:rPr lang="en-GB" smtClean="0"/>
               <a:pPr/>
-              <a:t>06/01/2025</a:t>
+              <a:t>12/07/2025</a:t>
             </a:fld>
             <a:endParaRPr lang="en-GB"/>
           </a:p>
@@ -2124,7 +2126,7 @@
             <a:fld id="{26EA1CF3-4A15-4CBF-9A5A-6A56C368BE71}" type="datetimeFigureOut">
               <a:rPr lang="en-GB" smtClean="0"/>
               <a:pPr/>
-              <a:t>06/01/2025</a:t>
+              <a:t>12/07/2025</a:t>
             </a:fld>
             <a:endParaRPr lang="en-GB"/>
           </a:p>
@@ -2239,7 +2241,7 @@
             <a:fld id="{26EA1CF3-4A15-4CBF-9A5A-6A56C368BE71}" type="datetimeFigureOut">
               <a:rPr lang="en-GB" smtClean="0"/>
               <a:pPr/>
-              <a:t>06/01/2025</a:t>
+              <a:t>12/07/2025</a:t>
             </a:fld>
             <a:endParaRPr lang="en-GB"/>
           </a:p>
@@ -2331,7 +2333,7 @@
             <a:fld id="{26EA1CF3-4A15-4CBF-9A5A-6A56C368BE71}" type="datetimeFigureOut">
               <a:rPr lang="en-GB" smtClean="0"/>
               <a:pPr/>
-              <a:t>06/01/2025</a:t>
+              <a:t>12/07/2025</a:t>
             </a:fld>
             <a:endParaRPr lang="en-GB"/>
           </a:p>
@@ -2605,7 +2607,7 @@
             <a:fld id="{26EA1CF3-4A15-4CBF-9A5A-6A56C368BE71}" type="datetimeFigureOut">
               <a:rPr lang="en-GB" smtClean="0"/>
               <a:pPr/>
-              <a:t>06/01/2025</a:t>
+              <a:t>12/07/2025</a:t>
             </a:fld>
             <a:endParaRPr lang="en-GB"/>
           </a:p>
@@ -2855,7 +2857,7 @@
             <a:fld id="{26EA1CF3-4A15-4CBF-9A5A-6A56C368BE71}" type="datetimeFigureOut">
               <a:rPr lang="en-GB" smtClean="0"/>
               <a:pPr/>
-              <a:t>06/01/2025</a:t>
+              <a:t>12/07/2025</a:t>
             </a:fld>
             <a:endParaRPr lang="en-GB"/>
           </a:p>
@@ -3064,7 +3066,7 @@
             <a:fld id="{26EA1CF3-4A15-4CBF-9A5A-6A56C368BE71}" type="datetimeFigureOut">
               <a:rPr lang="en-GB" smtClean="0"/>
               <a:pPr/>
-              <a:t>06/01/2025</a:t>
+              <a:t>12/07/2025</a:t>
             </a:fld>
             <a:endParaRPr lang="en-GB"/>
           </a:p>
@@ -3773,6 +3775,304 @@
 </p:sld>
 </file>
 
+<file path=ppt/slides/slide10.xml><?xml version="1.0" encoding="utf-8"?>
+<p:sld xmlns:a="http://schemas.openxmlformats.org/drawingml/2006/main" xmlns:r="http://schemas.openxmlformats.org/officeDocument/2006/relationships" xmlns:p="http://schemas.openxmlformats.org/presentationml/2006/main">
+  <p:cSld>
+    <p:spTree>
+      <p:nvGrpSpPr>
+        <p:cNvPr id="1" name="">
+          <a:extLst>
+            <a:ext uri="{FF2B5EF4-FFF2-40B4-BE49-F238E27FC236}">
+              <a16:creationId xmlns:a16="http://schemas.microsoft.com/office/drawing/2014/main" id="{3087FA56-D776-348E-C764-4CAC2F978E67}"/>
+            </a:ext>
+          </a:extLst>
+        </p:cNvPr>
+        <p:cNvGrpSpPr/>
+        <p:nvPr/>
+      </p:nvGrpSpPr>
+      <p:grpSpPr>
+        <a:xfrm>
+          <a:off x="0" y="0"/>
+          <a:ext cx="0" cy="0"/>
+          <a:chOff x="0" y="0"/>
+          <a:chExt cx="0" cy="0"/>
+        </a:xfrm>
+      </p:grpSpPr>
+      <p:sp>
+        <p:nvSpPr>
+          <p:cNvPr id="3" name="Subtitle 2">
+            <a:extLst>
+              <a:ext uri="{FF2B5EF4-FFF2-40B4-BE49-F238E27FC236}">
+                <a16:creationId xmlns:a16="http://schemas.microsoft.com/office/drawing/2014/main" id="{839EF33B-0154-B876-9B16-4EAF4DAF28E8}"/>
+              </a:ext>
+            </a:extLst>
+          </p:cNvPr>
+          <p:cNvSpPr>
+            <a:spLocks noGrp="1"/>
+          </p:cNvSpPr>
+          <p:nvPr>
+            <p:ph type="subTitle" idx="1"/>
+          </p:nvPr>
+        </p:nvSpPr>
+        <p:spPr>
+          <a:xfrm>
+            <a:off x="228676" y="764704"/>
+            <a:ext cx="8640960" cy="6480720"/>
+          </a:xfrm>
+        </p:spPr>
+        <p:txBody>
+          <a:bodyPr>
+            <a:noAutofit/>
+          </a:bodyPr>
+          <a:lstStyle/>
+          <a:p>
+            <a:r>
+              <a:rPr lang="en-GB" sz="3600" dirty="0">
+                <a:solidFill>
+                  <a:schemeClr val="bg1"/>
+                </a:solidFill>
+              </a:rPr>
+              <a:t>What shall we do</a:t>
+            </a:r>
+          </a:p>
+          <a:p>
+            <a:r>
+              <a:rPr lang="en-GB" sz="3600" dirty="0">
+                <a:solidFill>
+                  <a:schemeClr val="bg1"/>
+                </a:solidFill>
+              </a:rPr>
+              <a:t>We shall lift up a shout</a:t>
+            </a:r>
+          </a:p>
+          <a:p>
+            <a:r>
+              <a:rPr lang="en-GB" sz="3600" dirty="0">
+                <a:solidFill>
+                  <a:schemeClr val="bg1"/>
+                </a:solidFill>
+              </a:rPr>
+              <a:t>What shall we do</a:t>
+            </a:r>
+          </a:p>
+          <a:p>
+            <a:r>
+              <a:rPr lang="en-GB" sz="3600" dirty="0">
+                <a:solidFill>
+                  <a:schemeClr val="bg1"/>
+                </a:solidFill>
+              </a:rPr>
+              <a:t>We shall praise Him</a:t>
+            </a:r>
+          </a:p>
+          <a:p>
+            <a:r>
+              <a:rPr lang="en-GB" sz="3600" dirty="0">
+                <a:solidFill>
+                  <a:schemeClr val="bg1"/>
+                </a:solidFill>
+              </a:rPr>
+              <a:t>What shall we do</a:t>
+            </a:r>
+          </a:p>
+          <a:p>
+            <a:r>
+              <a:rPr lang="en-GB" sz="3600" dirty="0">
+                <a:solidFill>
+                  <a:schemeClr val="bg1"/>
+                </a:solidFill>
+              </a:rPr>
+              <a:t>For our God made a way</a:t>
+            </a:r>
+          </a:p>
+          <a:p>
+            <a:r>
+              <a:rPr lang="en-GB" sz="3600" dirty="0">
+                <a:solidFill>
+                  <a:schemeClr val="bg1"/>
+                </a:solidFill>
+              </a:rPr>
+              <a:t>We'll give Him our thanksgiving</a:t>
+            </a:r>
+          </a:p>
+        </p:txBody>
+      </p:sp>
+      <p:sp>
+        <p:nvSpPr>
+          <p:cNvPr id="4" name="TextBox 3">
+            <a:extLst>
+              <a:ext uri="{FF2B5EF4-FFF2-40B4-BE49-F238E27FC236}">
+                <a16:creationId xmlns:a16="http://schemas.microsoft.com/office/drawing/2014/main" id="{79E7DE05-4DE3-0C2F-7587-2B9FFC6018D6}"/>
+              </a:ext>
+            </a:extLst>
+          </p:cNvPr>
+          <p:cNvSpPr txBox="1"/>
+          <p:nvPr/>
+        </p:nvSpPr>
+        <p:spPr>
+          <a:xfrm>
+            <a:off x="8240938" y="-18246"/>
+            <a:ext cx="784189" cy="461665"/>
+          </a:xfrm>
+          <a:prstGeom prst="rect">
+            <a:avLst/>
+          </a:prstGeom>
+          <a:noFill/>
+        </p:spPr>
+        <p:txBody>
+          <a:bodyPr wrap="none" rtlCol="0">
+            <a:spAutoFit/>
+          </a:bodyPr>
+          <a:lstStyle/>
+          <a:p>
+            <a:r>
+              <a:rPr lang="en-GB" sz="2400" b="1" dirty="0">
+                <a:solidFill>
+                  <a:schemeClr val="bg1"/>
+                </a:solidFill>
+              </a:rPr>
+              <a:t>9/10</a:t>
+            </a:r>
+          </a:p>
+        </p:txBody>
+      </p:sp>
+    </p:spTree>
+    <p:extLst>
+      <p:ext uri="{BB962C8B-B14F-4D97-AF65-F5344CB8AC3E}">
+        <p14:creationId xmlns:p14="http://schemas.microsoft.com/office/powerpoint/2010/main" val="1834232735"/>
+      </p:ext>
+    </p:extLst>
+  </p:cSld>
+  <p:clrMapOvr>
+    <a:masterClrMapping/>
+  </p:clrMapOvr>
+</p:sld>
+</file>
+
+<file path=ppt/slides/slide11.xml><?xml version="1.0" encoding="utf-8"?>
+<p:sld xmlns:a="http://schemas.openxmlformats.org/drawingml/2006/main" xmlns:r="http://schemas.openxmlformats.org/officeDocument/2006/relationships" xmlns:p="http://schemas.openxmlformats.org/presentationml/2006/main">
+  <p:cSld>
+    <p:spTree>
+      <p:nvGrpSpPr>
+        <p:cNvPr id="1" name="">
+          <a:extLst>
+            <a:ext uri="{FF2B5EF4-FFF2-40B4-BE49-F238E27FC236}">
+              <a16:creationId xmlns:a16="http://schemas.microsoft.com/office/drawing/2014/main" id="{44C212D6-DA77-3F5E-9230-3425426BDD1C}"/>
+            </a:ext>
+          </a:extLst>
+        </p:cNvPr>
+        <p:cNvGrpSpPr/>
+        <p:nvPr/>
+      </p:nvGrpSpPr>
+      <p:grpSpPr>
+        <a:xfrm>
+          <a:off x="0" y="0"/>
+          <a:ext cx="0" cy="0"/>
+          <a:chOff x="0" y="0"/>
+          <a:chExt cx="0" cy="0"/>
+        </a:xfrm>
+      </p:grpSpPr>
+      <p:sp>
+        <p:nvSpPr>
+          <p:cNvPr id="3" name="Subtitle 2">
+            <a:extLst>
+              <a:ext uri="{FF2B5EF4-FFF2-40B4-BE49-F238E27FC236}">
+                <a16:creationId xmlns:a16="http://schemas.microsoft.com/office/drawing/2014/main" id="{5C8B8B34-392C-7381-6603-E09FF492CB90}"/>
+              </a:ext>
+            </a:extLst>
+          </p:cNvPr>
+          <p:cNvSpPr>
+            <a:spLocks noGrp="1"/>
+          </p:cNvSpPr>
+          <p:nvPr>
+            <p:ph type="subTitle" idx="1"/>
+          </p:nvPr>
+        </p:nvSpPr>
+        <p:spPr>
+          <a:xfrm>
+            <a:off x="228676" y="764704"/>
+            <a:ext cx="8640960" cy="6480720"/>
+          </a:xfrm>
+        </p:spPr>
+        <p:txBody>
+          <a:bodyPr>
+            <a:noAutofit/>
+          </a:bodyPr>
+          <a:lstStyle/>
+          <a:p>
+            <a:r>
+              <a:rPr lang="en-GB" sz="3600" dirty="0">
+                <a:solidFill>
+                  <a:schemeClr val="bg1"/>
+                </a:solidFill>
+              </a:rPr>
+              <a:t>We'll give Him our thanksgiving</a:t>
+            </a:r>
+          </a:p>
+          <a:p>
+            <a:r>
+              <a:rPr lang="en-GB" sz="3600" dirty="0">
+                <a:solidFill>
+                  <a:schemeClr val="bg1"/>
+                </a:solidFill>
+              </a:rPr>
+              <a:t>We'll give Him our thanksgiving</a:t>
+            </a:r>
+          </a:p>
+        </p:txBody>
+      </p:sp>
+      <p:sp>
+        <p:nvSpPr>
+          <p:cNvPr id="4" name="TextBox 3">
+            <a:extLst>
+              <a:ext uri="{FF2B5EF4-FFF2-40B4-BE49-F238E27FC236}">
+                <a16:creationId xmlns:a16="http://schemas.microsoft.com/office/drawing/2014/main" id="{BBC158C1-5657-BE41-3CAD-B65F60D108E4}"/>
+              </a:ext>
+            </a:extLst>
+          </p:cNvPr>
+          <p:cNvSpPr txBox="1"/>
+          <p:nvPr/>
+        </p:nvSpPr>
+        <p:spPr>
+          <a:xfrm>
+            <a:off x="8231693" y="0"/>
+            <a:ext cx="939681" cy="461665"/>
+          </a:xfrm>
+          <a:prstGeom prst="rect">
+            <a:avLst/>
+          </a:prstGeom>
+          <a:noFill/>
+        </p:spPr>
+        <p:txBody>
+          <a:bodyPr wrap="none" rtlCol="0">
+            <a:spAutoFit/>
+          </a:bodyPr>
+          <a:lstStyle/>
+          <a:p>
+            <a:r>
+              <a:rPr lang="en-GB" sz="2400" b="1" dirty="0">
+                <a:solidFill>
+                  <a:schemeClr val="bg1"/>
+                </a:solidFill>
+              </a:rPr>
+              <a:t>10/10</a:t>
+            </a:r>
+          </a:p>
+        </p:txBody>
+      </p:sp>
+    </p:spTree>
+    <p:extLst>
+      <p:ext uri="{BB962C8B-B14F-4D97-AF65-F5344CB8AC3E}">
+        <p14:creationId xmlns:p14="http://schemas.microsoft.com/office/powerpoint/2010/main" val="4107917809"/>
+      </p:ext>
+    </p:extLst>
+  </p:cSld>
+  <p:clrMapOvr>
+    <a:masterClrMapping/>
+  </p:clrMapOvr>
+</p:sld>
+</file>
+
 <file path=ppt/slides/slide2.xml><?xml version="1.0" encoding="utf-8"?>
 <p:sld xmlns:a="http://schemas.openxmlformats.org/drawingml/2006/main" xmlns:r="http://schemas.openxmlformats.org/officeDocument/2006/relationships" xmlns:p="http://schemas.openxmlformats.org/presentationml/2006/main">
   <p:cSld>
@@ -3861,8 +4161,8 @@
         </p:nvSpPr>
         <p:spPr>
           <a:xfrm>
-            <a:off x="8529729" y="0"/>
-            <a:ext cx="628698" cy="461665"/>
+            <a:off x="8242024" y="0"/>
+            <a:ext cx="784189" cy="461665"/>
           </a:xfrm>
           <a:prstGeom prst="rect">
             <a:avLst/>
@@ -3881,7 +4181,7 @@
                   <a:schemeClr val="bg1"/>
                 </a:solidFill>
               </a:rPr>
-              <a:t>1/8</a:t>
+              <a:t>1/10</a:t>
             </a:r>
           </a:p>
         </p:txBody>
@@ -3900,6 +4200,150 @@
 </file>
 
 <file path=ppt/slides/slide3.xml><?xml version="1.0" encoding="utf-8"?>
+<p:sld xmlns:a="http://schemas.openxmlformats.org/drawingml/2006/main" xmlns:r="http://schemas.openxmlformats.org/officeDocument/2006/relationships" xmlns:p="http://schemas.openxmlformats.org/presentationml/2006/main">
+  <p:cSld>
+    <p:spTree>
+      <p:nvGrpSpPr>
+        <p:cNvPr id="1" name="">
+          <a:extLst>
+            <a:ext uri="{FF2B5EF4-FFF2-40B4-BE49-F238E27FC236}">
+              <a16:creationId xmlns:a16="http://schemas.microsoft.com/office/drawing/2014/main" id="{5EC49DD7-B2B7-34A7-A5B8-EAF1715FF6F6}"/>
+            </a:ext>
+          </a:extLst>
+        </p:cNvPr>
+        <p:cNvGrpSpPr/>
+        <p:nvPr/>
+      </p:nvGrpSpPr>
+      <p:grpSpPr>
+        <a:xfrm>
+          <a:off x="0" y="0"/>
+          <a:ext cx="0" cy="0"/>
+          <a:chOff x="0" y="0"/>
+          <a:chExt cx="0" cy="0"/>
+        </a:xfrm>
+      </p:grpSpPr>
+      <p:sp>
+        <p:nvSpPr>
+          <p:cNvPr id="3" name="Subtitle 2">
+            <a:extLst>
+              <a:ext uri="{FF2B5EF4-FFF2-40B4-BE49-F238E27FC236}">
+                <a16:creationId xmlns:a16="http://schemas.microsoft.com/office/drawing/2014/main" id="{61C4FFBF-DCE6-E5A1-C361-22E248E40327}"/>
+              </a:ext>
+            </a:extLst>
+          </p:cNvPr>
+          <p:cNvSpPr>
+            <a:spLocks noGrp="1"/>
+          </p:cNvSpPr>
+          <p:nvPr>
+            <p:ph type="subTitle" idx="1"/>
+          </p:nvPr>
+        </p:nvSpPr>
+        <p:spPr>
+          <a:xfrm>
+            <a:off x="228676" y="764704"/>
+            <a:ext cx="8640960" cy="6480720"/>
+          </a:xfrm>
+        </p:spPr>
+        <p:txBody>
+          <a:bodyPr>
+            <a:noAutofit/>
+          </a:bodyPr>
+          <a:lstStyle/>
+          <a:p>
+            <a:r>
+              <a:rPr lang="en-GB" sz="3600" dirty="0">
+                <a:solidFill>
+                  <a:schemeClr val="bg1"/>
+                </a:solidFill>
+              </a:rPr>
+              <a:t>Enter in (Enter in)</a:t>
+            </a:r>
+          </a:p>
+          <a:p>
+            <a:r>
+              <a:rPr lang="en-GB" sz="3600" dirty="0">
+                <a:solidFill>
+                  <a:schemeClr val="bg1"/>
+                </a:solidFill>
+              </a:rPr>
+              <a:t>His courts with praise (His courts with praise)</a:t>
+            </a:r>
+          </a:p>
+          <a:p>
+            <a:r>
+              <a:rPr lang="en-GB" sz="3600" dirty="0">
+                <a:solidFill>
+                  <a:schemeClr val="bg1"/>
+                </a:solidFill>
+              </a:rPr>
+              <a:t>For He is greatly (He is greatly)</a:t>
+            </a:r>
+          </a:p>
+          <a:p>
+            <a:r>
+              <a:rPr lang="en-GB" sz="3600" dirty="0">
+                <a:solidFill>
+                  <a:schemeClr val="bg1"/>
+                </a:solidFill>
+              </a:rPr>
+              <a:t>To be praised</a:t>
+            </a:r>
+          </a:p>
+        </p:txBody>
+      </p:sp>
+      <p:sp>
+        <p:nvSpPr>
+          <p:cNvPr id="4" name="TextBox 3">
+            <a:extLst>
+              <a:ext uri="{FF2B5EF4-FFF2-40B4-BE49-F238E27FC236}">
+                <a16:creationId xmlns:a16="http://schemas.microsoft.com/office/drawing/2014/main" id="{BA0BFF33-1B50-1A18-6F77-6FA2008844EA}"/>
+              </a:ext>
+            </a:extLst>
+          </p:cNvPr>
+          <p:cNvSpPr txBox="1"/>
+          <p:nvPr/>
+        </p:nvSpPr>
+        <p:spPr>
+          <a:xfrm>
+            <a:off x="8316416" y="34330"/>
+            <a:ext cx="784189" cy="461665"/>
+          </a:xfrm>
+          <a:prstGeom prst="rect">
+            <a:avLst/>
+          </a:prstGeom>
+          <a:noFill/>
+        </p:spPr>
+        <p:txBody>
+          <a:bodyPr wrap="none" rtlCol="0">
+            <a:spAutoFit/>
+          </a:bodyPr>
+          <a:lstStyle/>
+          <a:p>
+            <a:r>
+              <a:rPr lang="en-GB" sz="2400" b="1" dirty="0">
+                <a:solidFill>
+                  <a:schemeClr val="bg1"/>
+                </a:solidFill>
+              </a:rPr>
+              <a:t>2/10</a:t>
+            </a:r>
+          </a:p>
+        </p:txBody>
+      </p:sp>
+    </p:spTree>
+    <p:extLst>
+      <p:ext uri="{BB962C8B-B14F-4D97-AF65-F5344CB8AC3E}">
+        <p14:creationId xmlns:p14="http://schemas.microsoft.com/office/powerpoint/2010/main" val="3131031662"/>
+      </p:ext>
+    </p:extLst>
+  </p:cSld>
+  <p:clrMapOvr>
+    <a:masterClrMapping/>
+  </p:clrMapOvr>
+</p:sld>
+</file>
+
+<file path=ppt/slides/slide4.xml><?xml version="1.0" encoding="utf-8"?>
 <p:sld xmlns:a="http://schemas.openxmlformats.org/drawingml/2006/main" xmlns:r="http://schemas.openxmlformats.org/officeDocument/2006/relationships" xmlns:p="http://schemas.openxmlformats.org/presentationml/2006/main">
   <p:cSld>
     <p:spTree>
@@ -4035,8 +4479,8 @@
         </p:nvSpPr>
         <p:spPr>
           <a:xfrm>
-            <a:off x="8529729" y="0"/>
-            <a:ext cx="628698" cy="461665"/>
+            <a:off x="8240938" y="0"/>
+            <a:ext cx="784189" cy="461665"/>
           </a:xfrm>
           <a:prstGeom prst="rect">
             <a:avLst/>
@@ -4055,7 +4499,7 @@
                   <a:schemeClr val="bg1"/>
                 </a:solidFill>
               </a:rPr>
-              <a:t>2/8</a:t>
+              <a:t>3/10</a:t>
             </a:r>
           </a:p>
         </p:txBody>
@@ -4073,7 +4517,7 @@
 </p:sld>
 </file>
 
-<file path=ppt/slides/slide4.xml><?xml version="1.0" encoding="utf-8"?>
+<file path=ppt/slides/slide5.xml><?xml version="1.0" encoding="utf-8"?>
 <p:sld xmlns:a="http://schemas.openxmlformats.org/drawingml/2006/main" xmlns:r="http://schemas.openxmlformats.org/officeDocument/2006/relationships" xmlns:p="http://schemas.openxmlformats.org/presentationml/2006/main">
   <p:cSld>
     <p:spTree>
@@ -4179,8 +4623,8 @@
         </p:nvSpPr>
         <p:spPr>
           <a:xfrm>
-            <a:off x="8529729" y="0"/>
-            <a:ext cx="628698" cy="461665"/>
+            <a:off x="8264884" y="-14818"/>
+            <a:ext cx="784189" cy="461665"/>
           </a:xfrm>
           <a:prstGeom prst="rect">
             <a:avLst/>
@@ -4199,7 +4643,7 @@
                   <a:schemeClr val="bg1"/>
                 </a:solidFill>
               </a:rPr>
-              <a:t>3/8</a:t>
+              <a:t>4/10</a:t>
             </a:r>
           </a:p>
         </p:txBody>
@@ -4217,7 +4661,151 @@
 </p:sld>
 </file>
 
-<file path=ppt/slides/slide5.xml><?xml version="1.0" encoding="utf-8"?>
+<file path=ppt/slides/slide6.xml><?xml version="1.0" encoding="utf-8"?>
+<p:sld xmlns:a="http://schemas.openxmlformats.org/drawingml/2006/main" xmlns:r="http://schemas.openxmlformats.org/officeDocument/2006/relationships" xmlns:p="http://schemas.openxmlformats.org/presentationml/2006/main">
+  <p:cSld>
+    <p:spTree>
+      <p:nvGrpSpPr>
+        <p:cNvPr id="1" name="">
+          <a:extLst>
+            <a:ext uri="{FF2B5EF4-FFF2-40B4-BE49-F238E27FC236}">
+              <a16:creationId xmlns:a16="http://schemas.microsoft.com/office/drawing/2014/main" id="{9D0AC4FD-CC2D-2962-0618-F531E8066FB7}"/>
+            </a:ext>
+          </a:extLst>
+        </p:cNvPr>
+        <p:cNvGrpSpPr/>
+        <p:nvPr/>
+      </p:nvGrpSpPr>
+      <p:grpSpPr>
+        <a:xfrm>
+          <a:off x="0" y="0"/>
+          <a:ext cx="0" cy="0"/>
+          <a:chOff x="0" y="0"/>
+          <a:chExt cx="0" cy="0"/>
+        </a:xfrm>
+      </p:grpSpPr>
+      <p:sp>
+        <p:nvSpPr>
+          <p:cNvPr id="3" name="Subtitle 2">
+            <a:extLst>
+              <a:ext uri="{FF2B5EF4-FFF2-40B4-BE49-F238E27FC236}">
+                <a16:creationId xmlns:a16="http://schemas.microsoft.com/office/drawing/2014/main" id="{BC5B6EF0-9D08-FD59-927E-A9811096770F}"/>
+              </a:ext>
+            </a:extLst>
+          </p:cNvPr>
+          <p:cNvSpPr>
+            <a:spLocks noGrp="1"/>
+          </p:cNvSpPr>
+          <p:nvPr>
+            <p:ph type="subTitle" idx="1"/>
+          </p:nvPr>
+        </p:nvSpPr>
+        <p:spPr>
+          <a:xfrm>
+            <a:off x="228676" y="764704"/>
+            <a:ext cx="8640960" cy="6480720"/>
+          </a:xfrm>
+        </p:spPr>
+        <p:txBody>
+          <a:bodyPr>
+            <a:noAutofit/>
+          </a:bodyPr>
+          <a:lstStyle/>
+          <a:p>
+            <a:r>
+              <a:rPr lang="en-GB" sz="3600" dirty="0">
+                <a:solidFill>
+                  <a:schemeClr val="bg1"/>
+                </a:solidFill>
+              </a:rPr>
+              <a:t>Magnify (Magnify)</a:t>
+            </a:r>
+          </a:p>
+          <a:p>
+            <a:r>
+              <a:rPr lang="en-GB" sz="3600" dirty="0">
+                <a:solidFill>
+                  <a:schemeClr val="bg1"/>
+                </a:solidFill>
+              </a:rPr>
+              <a:t>His Holy Name (His Holy Name)</a:t>
+            </a:r>
+          </a:p>
+          <a:p>
+            <a:r>
+              <a:rPr lang="en-GB" sz="3600" dirty="0">
+                <a:solidFill>
+                  <a:schemeClr val="bg1"/>
+                </a:solidFill>
+              </a:rPr>
+              <a:t>For He is greatly (For He is greatly)</a:t>
+            </a:r>
+          </a:p>
+          <a:p>
+            <a:r>
+              <a:rPr lang="en-GB" sz="3600" dirty="0">
+                <a:solidFill>
+                  <a:schemeClr val="bg1"/>
+                </a:solidFill>
+              </a:rPr>
+              <a:t>To be praised</a:t>
+            </a:r>
+          </a:p>
+        </p:txBody>
+      </p:sp>
+      <p:sp>
+        <p:nvSpPr>
+          <p:cNvPr id="4" name="TextBox 3">
+            <a:extLst>
+              <a:ext uri="{FF2B5EF4-FFF2-40B4-BE49-F238E27FC236}">
+                <a16:creationId xmlns:a16="http://schemas.microsoft.com/office/drawing/2014/main" id="{8BAF180A-F50C-F047-FA28-D8A0F38D8779}"/>
+              </a:ext>
+            </a:extLst>
+          </p:cNvPr>
+          <p:cNvSpPr txBox="1"/>
+          <p:nvPr/>
+        </p:nvSpPr>
+        <p:spPr>
+          <a:xfrm>
+            <a:off x="8240938" y="0"/>
+            <a:ext cx="784189" cy="461665"/>
+          </a:xfrm>
+          <a:prstGeom prst="rect">
+            <a:avLst/>
+          </a:prstGeom>
+          <a:noFill/>
+        </p:spPr>
+        <p:txBody>
+          <a:bodyPr wrap="none" rtlCol="0">
+            <a:spAutoFit/>
+          </a:bodyPr>
+          <a:lstStyle/>
+          <a:p>
+            <a:r>
+              <a:rPr lang="en-GB" sz="2400" b="1" dirty="0">
+                <a:solidFill>
+                  <a:schemeClr val="bg1"/>
+                </a:solidFill>
+              </a:rPr>
+              <a:t>5/10</a:t>
+            </a:r>
+          </a:p>
+        </p:txBody>
+      </p:sp>
+    </p:spTree>
+    <p:extLst>
+      <p:ext uri="{BB962C8B-B14F-4D97-AF65-F5344CB8AC3E}">
+        <p14:creationId xmlns:p14="http://schemas.microsoft.com/office/powerpoint/2010/main" val="1024228804"/>
+      </p:ext>
+    </p:extLst>
+  </p:cSld>
+  <p:clrMapOvr>
+    <a:masterClrMapping/>
+  </p:clrMapOvr>
+</p:sld>
+</file>
+
+<file path=ppt/slides/slide7.xml><?xml version="1.0" encoding="utf-8"?>
 <p:sld xmlns:a="http://schemas.openxmlformats.org/drawingml/2006/main" xmlns:r="http://schemas.openxmlformats.org/officeDocument/2006/relationships" xmlns:p="http://schemas.openxmlformats.org/presentationml/2006/main">
   <p:cSld>
     <p:spTree>
@@ -4353,8 +4941,8 @@
         </p:nvSpPr>
         <p:spPr>
           <a:xfrm>
-            <a:off x="8529729" y="0"/>
-            <a:ext cx="628698" cy="461665"/>
+            <a:off x="8240938" y="0"/>
+            <a:ext cx="784189" cy="461665"/>
           </a:xfrm>
           <a:prstGeom prst="rect">
             <a:avLst/>
@@ -4373,7 +4961,7 @@
                   <a:schemeClr val="bg1"/>
                 </a:solidFill>
               </a:rPr>
-              <a:t>4/8</a:t>
+              <a:t>6/10</a:t>
             </a:r>
           </a:p>
         </p:txBody>
@@ -4391,7 +4979,7 @@
 </p:sld>
 </file>
 
-<file path=ppt/slides/slide6.xml><?xml version="1.0" encoding="utf-8"?>
+<file path=ppt/slides/slide8.xml><?xml version="1.0" encoding="utf-8"?>
 <p:sld xmlns:a="http://schemas.openxmlformats.org/drawingml/2006/main" xmlns:r="http://schemas.openxmlformats.org/officeDocument/2006/relationships" xmlns:p="http://schemas.openxmlformats.org/presentationml/2006/main">
   <p:cSld>
     <p:spTree>
@@ -4557,8 +5145,8 @@
         </p:nvSpPr>
         <p:spPr>
           <a:xfrm>
-            <a:off x="8529729" y="0"/>
-            <a:ext cx="628698" cy="461665"/>
+            <a:off x="8245452" y="0"/>
+            <a:ext cx="784189" cy="461665"/>
           </a:xfrm>
           <a:prstGeom prst="rect">
             <a:avLst/>
@@ -4577,7 +5165,7 @@
                   <a:schemeClr val="bg1"/>
                 </a:solidFill>
               </a:rPr>
-              <a:t>5/8</a:t>
+              <a:t>7/10</a:t>
             </a:r>
           </a:p>
         </p:txBody>
@@ -4595,7 +5183,7 @@
 </p:sld>
 </file>
 
-<file path=ppt/slides/slide7.xml><?xml version="1.0" encoding="utf-8"?>
+<file path=ppt/slides/slide9.xml><?xml version="1.0" encoding="utf-8"?>
 <p:sld xmlns:a="http://schemas.openxmlformats.org/drawingml/2006/main" xmlns:r="http://schemas.openxmlformats.org/officeDocument/2006/relationships" xmlns:p="http://schemas.openxmlformats.org/presentationml/2006/main">
   <p:cSld>
     <p:spTree>
@@ -4701,8 +5289,8 @@
         </p:nvSpPr>
         <p:spPr>
           <a:xfrm>
-            <a:off x="8529729" y="0"/>
-            <a:ext cx="628698" cy="461665"/>
+            <a:off x="8240938" y="0"/>
+            <a:ext cx="784189" cy="461665"/>
           </a:xfrm>
           <a:prstGeom prst="rect">
             <a:avLst/>
@@ -4721,7 +5309,7 @@
                   <a:schemeClr val="bg1"/>
                 </a:solidFill>
               </a:rPr>
-              <a:t>6/8</a:t>
+              <a:t>8/10</a:t>
             </a:r>
           </a:p>
         </p:txBody>
@@ -4730,304 +5318,6 @@
     <p:extLst>
       <p:ext uri="{BB962C8B-B14F-4D97-AF65-F5344CB8AC3E}">
         <p14:creationId xmlns:p14="http://schemas.microsoft.com/office/powerpoint/2010/main" val="2057781540"/>
-      </p:ext>
-    </p:extLst>
-  </p:cSld>
-  <p:clrMapOvr>
-    <a:masterClrMapping/>
-  </p:clrMapOvr>
-</p:sld>
-</file>
-
-<file path=ppt/slides/slide8.xml><?xml version="1.0" encoding="utf-8"?>
-<p:sld xmlns:a="http://schemas.openxmlformats.org/drawingml/2006/main" xmlns:r="http://schemas.openxmlformats.org/officeDocument/2006/relationships" xmlns:p="http://schemas.openxmlformats.org/presentationml/2006/main">
-  <p:cSld>
-    <p:spTree>
-      <p:nvGrpSpPr>
-        <p:cNvPr id="1" name="">
-          <a:extLst>
-            <a:ext uri="{FF2B5EF4-FFF2-40B4-BE49-F238E27FC236}">
-              <a16:creationId xmlns:a16="http://schemas.microsoft.com/office/drawing/2014/main" id="{3087FA56-D776-348E-C764-4CAC2F978E67}"/>
-            </a:ext>
-          </a:extLst>
-        </p:cNvPr>
-        <p:cNvGrpSpPr/>
-        <p:nvPr/>
-      </p:nvGrpSpPr>
-      <p:grpSpPr>
-        <a:xfrm>
-          <a:off x="0" y="0"/>
-          <a:ext cx="0" cy="0"/>
-          <a:chOff x="0" y="0"/>
-          <a:chExt cx="0" cy="0"/>
-        </a:xfrm>
-      </p:grpSpPr>
-      <p:sp>
-        <p:nvSpPr>
-          <p:cNvPr id="3" name="Subtitle 2">
-            <a:extLst>
-              <a:ext uri="{FF2B5EF4-FFF2-40B4-BE49-F238E27FC236}">
-                <a16:creationId xmlns:a16="http://schemas.microsoft.com/office/drawing/2014/main" id="{839EF33B-0154-B876-9B16-4EAF4DAF28E8}"/>
-              </a:ext>
-            </a:extLst>
-          </p:cNvPr>
-          <p:cNvSpPr>
-            <a:spLocks noGrp="1"/>
-          </p:cNvSpPr>
-          <p:nvPr>
-            <p:ph type="subTitle" idx="1"/>
-          </p:nvPr>
-        </p:nvSpPr>
-        <p:spPr>
-          <a:xfrm>
-            <a:off x="228676" y="764704"/>
-            <a:ext cx="8640960" cy="6480720"/>
-          </a:xfrm>
-        </p:spPr>
-        <p:txBody>
-          <a:bodyPr>
-            <a:noAutofit/>
-          </a:bodyPr>
-          <a:lstStyle/>
-          <a:p>
-            <a:r>
-              <a:rPr lang="en-GB" sz="3600" dirty="0">
-                <a:solidFill>
-                  <a:schemeClr val="bg1"/>
-                </a:solidFill>
-              </a:rPr>
-              <a:t>What shall we do</a:t>
-            </a:r>
-          </a:p>
-          <a:p>
-            <a:r>
-              <a:rPr lang="en-GB" sz="3600" dirty="0">
-                <a:solidFill>
-                  <a:schemeClr val="bg1"/>
-                </a:solidFill>
-              </a:rPr>
-              <a:t>We shall lift up a shout</a:t>
-            </a:r>
-          </a:p>
-          <a:p>
-            <a:r>
-              <a:rPr lang="en-GB" sz="3600" dirty="0">
-                <a:solidFill>
-                  <a:schemeClr val="bg1"/>
-                </a:solidFill>
-              </a:rPr>
-              <a:t>What shall we do</a:t>
-            </a:r>
-          </a:p>
-          <a:p>
-            <a:r>
-              <a:rPr lang="en-GB" sz="3600" dirty="0">
-                <a:solidFill>
-                  <a:schemeClr val="bg1"/>
-                </a:solidFill>
-              </a:rPr>
-              <a:t>We shall praise Him</a:t>
-            </a:r>
-          </a:p>
-          <a:p>
-            <a:r>
-              <a:rPr lang="en-GB" sz="3600" dirty="0">
-                <a:solidFill>
-                  <a:schemeClr val="bg1"/>
-                </a:solidFill>
-              </a:rPr>
-              <a:t>What shall we do</a:t>
-            </a:r>
-          </a:p>
-          <a:p>
-            <a:r>
-              <a:rPr lang="en-GB" sz="3600" dirty="0">
-                <a:solidFill>
-                  <a:schemeClr val="bg1"/>
-                </a:solidFill>
-              </a:rPr>
-              <a:t>For our God made a way</a:t>
-            </a:r>
-          </a:p>
-          <a:p>
-            <a:r>
-              <a:rPr lang="en-GB" sz="3600" dirty="0">
-                <a:solidFill>
-                  <a:schemeClr val="bg1"/>
-                </a:solidFill>
-              </a:rPr>
-              <a:t>We'll give Him our thanksgiving</a:t>
-            </a:r>
-          </a:p>
-        </p:txBody>
-      </p:sp>
-      <p:sp>
-        <p:nvSpPr>
-          <p:cNvPr id="4" name="TextBox 3">
-            <a:extLst>
-              <a:ext uri="{FF2B5EF4-FFF2-40B4-BE49-F238E27FC236}">
-                <a16:creationId xmlns:a16="http://schemas.microsoft.com/office/drawing/2014/main" id="{79E7DE05-4DE3-0C2F-7587-2B9FFC6018D6}"/>
-              </a:ext>
-            </a:extLst>
-          </p:cNvPr>
-          <p:cNvSpPr txBox="1"/>
-          <p:nvPr/>
-        </p:nvSpPr>
-        <p:spPr>
-          <a:xfrm>
-            <a:off x="8529729" y="0"/>
-            <a:ext cx="628698" cy="461665"/>
-          </a:xfrm>
-          <a:prstGeom prst="rect">
-            <a:avLst/>
-          </a:prstGeom>
-          <a:noFill/>
-        </p:spPr>
-        <p:txBody>
-          <a:bodyPr wrap="none" rtlCol="0">
-            <a:spAutoFit/>
-          </a:bodyPr>
-          <a:lstStyle/>
-          <a:p>
-            <a:r>
-              <a:rPr lang="en-GB" sz="2400" b="1" dirty="0">
-                <a:solidFill>
-                  <a:schemeClr val="bg1"/>
-                </a:solidFill>
-              </a:rPr>
-              <a:t>7/8</a:t>
-            </a:r>
-          </a:p>
-        </p:txBody>
-      </p:sp>
-    </p:spTree>
-    <p:extLst>
-      <p:ext uri="{BB962C8B-B14F-4D97-AF65-F5344CB8AC3E}">
-        <p14:creationId xmlns:p14="http://schemas.microsoft.com/office/powerpoint/2010/main" val="1834232735"/>
-      </p:ext>
-    </p:extLst>
-  </p:cSld>
-  <p:clrMapOvr>
-    <a:masterClrMapping/>
-  </p:clrMapOvr>
-</p:sld>
-</file>
-
-<file path=ppt/slides/slide9.xml><?xml version="1.0" encoding="utf-8"?>
-<p:sld xmlns:a="http://schemas.openxmlformats.org/drawingml/2006/main" xmlns:r="http://schemas.openxmlformats.org/officeDocument/2006/relationships" xmlns:p="http://schemas.openxmlformats.org/presentationml/2006/main">
-  <p:cSld>
-    <p:spTree>
-      <p:nvGrpSpPr>
-        <p:cNvPr id="1" name="">
-          <a:extLst>
-            <a:ext uri="{FF2B5EF4-FFF2-40B4-BE49-F238E27FC236}">
-              <a16:creationId xmlns:a16="http://schemas.microsoft.com/office/drawing/2014/main" id="{44C212D6-DA77-3F5E-9230-3425426BDD1C}"/>
-            </a:ext>
-          </a:extLst>
-        </p:cNvPr>
-        <p:cNvGrpSpPr/>
-        <p:nvPr/>
-      </p:nvGrpSpPr>
-      <p:grpSpPr>
-        <a:xfrm>
-          <a:off x="0" y="0"/>
-          <a:ext cx="0" cy="0"/>
-          <a:chOff x="0" y="0"/>
-          <a:chExt cx="0" cy="0"/>
-        </a:xfrm>
-      </p:grpSpPr>
-      <p:sp>
-        <p:nvSpPr>
-          <p:cNvPr id="3" name="Subtitle 2">
-            <a:extLst>
-              <a:ext uri="{FF2B5EF4-FFF2-40B4-BE49-F238E27FC236}">
-                <a16:creationId xmlns:a16="http://schemas.microsoft.com/office/drawing/2014/main" id="{5C8B8B34-392C-7381-6603-E09FF492CB90}"/>
-              </a:ext>
-            </a:extLst>
-          </p:cNvPr>
-          <p:cNvSpPr>
-            <a:spLocks noGrp="1"/>
-          </p:cNvSpPr>
-          <p:nvPr>
-            <p:ph type="subTitle" idx="1"/>
-          </p:nvPr>
-        </p:nvSpPr>
-        <p:spPr>
-          <a:xfrm>
-            <a:off x="228676" y="764704"/>
-            <a:ext cx="8640960" cy="6480720"/>
-          </a:xfrm>
-        </p:spPr>
-        <p:txBody>
-          <a:bodyPr>
-            <a:noAutofit/>
-          </a:bodyPr>
-          <a:lstStyle/>
-          <a:p>
-            <a:r>
-              <a:rPr lang="en-GB" sz="3600" dirty="0">
-                <a:solidFill>
-                  <a:schemeClr val="bg1"/>
-                </a:solidFill>
-              </a:rPr>
-              <a:t>We'll give Him our thanksgiving</a:t>
-            </a:r>
-          </a:p>
-          <a:p>
-            <a:r>
-              <a:rPr lang="en-GB" sz="3600" dirty="0">
-                <a:solidFill>
-                  <a:schemeClr val="bg1"/>
-                </a:solidFill>
-              </a:rPr>
-              <a:t>We'll give Him our thanksgiving</a:t>
-            </a:r>
-          </a:p>
-        </p:txBody>
-      </p:sp>
-      <p:sp>
-        <p:nvSpPr>
-          <p:cNvPr id="4" name="TextBox 3">
-            <a:extLst>
-              <a:ext uri="{FF2B5EF4-FFF2-40B4-BE49-F238E27FC236}">
-                <a16:creationId xmlns:a16="http://schemas.microsoft.com/office/drawing/2014/main" id="{BBC158C1-5657-BE41-3CAD-B65F60D108E4}"/>
-              </a:ext>
-            </a:extLst>
-          </p:cNvPr>
-          <p:cNvSpPr txBox="1"/>
-          <p:nvPr/>
-        </p:nvSpPr>
-        <p:spPr>
-          <a:xfrm>
-            <a:off x="8529729" y="0"/>
-            <a:ext cx="628698" cy="461665"/>
-          </a:xfrm>
-          <a:prstGeom prst="rect">
-            <a:avLst/>
-          </a:prstGeom>
-          <a:noFill/>
-        </p:spPr>
-        <p:txBody>
-          <a:bodyPr wrap="none" rtlCol="0">
-            <a:spAutoFit/>
-          </a:bodyPr>
-          <a:lstStyle/>
-          <a:p>
-            <a:r>
-              <a:rPr lang="en-GB" sz="2400" b="1" dirty="0">
-                <a:solidFill>
-                  <a:schemeClr val="bg1"/>
-                </a:solidFill>
-              </a:rPr>
-              <a:t>8/8</a:t>
-            </a:r>
-          </a:p>
-        </p:txBody>
-      </p:sp>
-    </p:spTree>
-    <p:extLst>
-      <p:ext uri="{BB962C8B-B14F-4D97-AF65-F5344CB8AC3E}">
-        <p14:creationId xmlns:p14="http://schemas.microsoft.com/office/powerpoint/2010/main" val="4107917809"/>
       </p:ext>
     </p:extLst>
   </p:cSld>
